--- a/UofT Data Bootcamp Project 1-Final.pptx
+++ b/UofT Data Bootcamp Project 1-Final.pptx
@@ -130,7 +130,75 @@
       </a:defRPr>
     </a:lvl9pPr>
   </p:defaultTextStyle>
+  <p:extLst>
+    <p:ext uri="{EFAFB233-063F-42B5-8137-9DF3F51BA10A}">
+      <p15:sldGuideLst xmlns:p15="http://schemas.microsoft.com/office/powerpoint/2012/main">
+        <p15:guide id="1" orient="horz" pos="2160">
+          <p15:clr>
+            <a:srgbClr val="A4A3A4"/>
+          </p15:clr>
+        </p15:guide>
+        <p15:guide id="2" pos="2880">
+          <p15:clr>
+            <a:srgbClr val="A4A3A4"/>
+          </p15:clr>
+        </p15:guide>
+      </p15:sldGuideLst>
+    </p:ext>
+  </p:extLst>
 </p:presentation>
+</file>
+
+<file path=ppt/revisionInfo.xml><?xml version="1.0" encoding="utf-8"?>
+<p1510:revInfo xmlns:a="http://schemas.openxmlformats.org/drawingml/2006/main" xmlns:r="http://schemas.openxmlformats.org/officeDocument/2006/relationships" xmlns:p1510="http://schemas.microsoft.com/office/powerpoint/2015/10/main">
+  <p1510:revLst>
+    <p1510:client id="{D70D5E05-9781-45DC-9A90-6770360A5717}" v="1" dt="2023-10-10T23:21:15.092"/>
+  </p1510:revLst>
+</p1510:revInfo>
+</file>
+
+<file path=ppt/changesInfos/changesInfo1.xml><?xml version="1.0" encoding="utf-8"?>
+<pc:chgInfo xmlns:a="http://schemas.openxmlformats.org/drawingml/2006/main" xmlns:r="http://schemas.openxmlformats.org/officeDocument/2006/relationships" xmlns:ac="http://schemas.microsoft.com/office/drawing/2013/main/command" xmlns:pc="http://schemas.microsoft.com/office/powerpoint/2013/main/command">
+  <pc:docChgLst>
+    <pc:chgData name="Alyshia Kiczma" userId="833e68285e831de5" providerId="LiveId" clId="{D70D5E05-9781-45DC-9A90-6770360A5717}"/>
+    <pc:docChg chg="custSel modSld">
+      <pc:chgData name="Alyshia Kiczma" userId="833e68285e831de5" providerId="LiveId" clId="{D70D5E05-9781-45DC-9A90-6770360A5717}" dt="2023-10-10T23:29:10.946" v="10" actId="478"/>
+      <pc:docMkLst>
+        <pc:docMk/>
+      </pc:docMkLst>
+      <pc:sldChg chg="addSp delSp modSp mod">
+        <pc:chgData name="Alyshia Kiczma" userId="833e68285e831de5" providerId="LiveId" clId="{D70D5E05-9781-45DC-9A90-6770360A5717}" dt="2023-10-10T23:21:13.208" v="5" actId="21"/>
+        <pc:sldMkLst>
+          <pc:docMk/>
+          <pc:sldMk cId="0" sldId="259"/>
+        </pc:sldMkLst>
+        <pc:picChg chg="add del mod">
+          <ac:chgData name="Alyshia Kiczma" userId="833e68285e831de5" providerId="LiveId" clId="{D70D5E05-9781-45DC-9A90-6770360A5717}" dt="2023-10-10T23:21:13.208" v="5" actId="21"/>
+          <ac:picMkLst>
+            <pc:docMk/>
+            <pc:sldMk cId="0" sldId="259"/>
+            <ac:picMk id="4" creationId="{53FDCC09-DAA0-C93D-75A9-7652C20B4A04}"/>
+          </ac:picMkLst>
+        </pc:picChg>
+      </pc:sldChg>
+      <pc:sldChg chg="addSp delSp modSp mod">
+        <pc:chgData name="Alyshia Kiczma" userId="833e68285e831de5" providerId="LiveId" clId="{D70D5E05-9781-45DC-9A90-6770360A5717}" dt="2023-10-10T23:29:10.946" v="10" actId="478"/>
+        <pc:sldMkLst>
+          <pc:docMk/>
+          <pc:sldMk cId="0" sldId="266"/>
+        </pc:sldMkLst>
+        <pc:picChg chg="add del mod">
+          <ac:chgData name="Alyshia Kiczma" userId="833e68285e831de5" providerId="LiveId" clId="{D70D5E05-9781-45DC-9A90-6770360A5717}" dt="2023-10-10T23:29:10.946" v="10" actId="478"/>
+          <ac:picMkLst>
+            <pc:docMk/>
+            <pc:sldMk cId="0" sldId="266"/>
+            <ac:picMk id="3" creationId="{408B7D8B-CFE6-2660-2276-D8296BE1736D}"/>
+          </ac:picMkLst>
+        </pc:picChg>
+      </pc:sldChg>
+    </pc:docChg>
+  </pc:docChgLst>
+</pc:chgInfo>
 </file>
 
 <file path=ppt/notesMasters/notesMaster1.xml><?xml version="1.0" encoding="utf-8"?>
@@ -215,7 +283,7 @@
           <a:p>
             <a:fld id="{92EC9E11-15E8-479C-B4B2-2C47945C152E}" type="datetimeFigureOut">
               <a:rPr lang="en-US" smtClean="0"/>
-              <a:t>10/9/2023</a:t>
+              <a:t>10/10/2023</a:t>
             </a:fld>
             <a:endParaRPr lang="en-US"/>
           </a:p>
@@ -281,38 +349,37 @@
           <a:p>
             <a:pPr lvl="0"/>
             <a:r>
-              <a:rPr lang="en-US" smtClean="0"/>
+              <a:rPr lang="en-US"/>
               <a:t>Click to edit Master text styles</a:t>
             </a:r>
           </a:p>
           <a:p>
             <a:pPr lvl="1"/>
             <a:r>
-              <a:rPr lang="en-US" smtClean="0"/>
+              <a:rPr lang="en-US"/>
               <a:t>Second level</a:t>
             </a:r>
           </a:p>
           <a:p>
             <a:pPr lvl="2"/>
             <a:r>
-              <a:rPr lang="en-US" smtClean="0"/>
+              <a:rPr lang="en-US"/>
               <a:t>Third level</a:t>
             </a:r>
           </a:p>
           <a:p>
             <a:pPr lvl="3"/>
             <a:r>
-              <a:rPr lang="en-US" smtClean="0"/>
+              <a:rPr lang="en-US"/>
               <a:t>Fourth level</a:t>
             </a:r>
           </a:p>
           <a:p>
             <a:pPr lvl="4"/>
             <a:r>
-              <a:rPr lang="en-US" smtClean="0"/>
+              <a:rPr lang="en-US"/>
               <a:t>Fifth level</a:t>
             </a:r>
-            <a:endParaRPr lang="en-US"/>
           </a:p>
         </p:txBody>
       </p:sp>
@@ -734,9 +801,7 @@
         </p:style>
         <p:txBody>
           <a:bodyPr anchor="ctr"/>
-          <a:lstStyle>
-            <a:extLst/>
-          </a:lstStyle>
+          <a:lstStyle/>
           <a:p>
             <a:pPr algn="ctr" eaLnBrk="1" latinLnBrk="0" hangingPunct="1"/>
             <a:endParaRPr kumimoji="0" lang="en-US"/>
@@ -775,9 +840,7 @@
         </p:spPr>
         <p:txBody>
           <a:bodyPr vert="horz" wrap="square" lIns="91440" tIns="45720" rIns="91440" bIns="45720" anchor="t" compatLnSpc="1"/>
-          <a:lstStyle>
-            <a:extLst/>
-          </a:lstStyle>
+          <a:lstStyle/>
           <a:p>
             <a:endParaRPr kumimoji="0" lang="en-US"/>
           </a:p>
@@ -811,10 +874,9 @@
           </a:lstStyle>
           <a:p>
             <a:r>
-              <a:rPr kumimoji="0" lang="en-US" smtClean="0"/>
+              <a:rPr kumimoji="0" lang="en-US"/>
               <a:t>Click to edit Master title style</a:t>
             </a:r>
-            <a:endParaRPr kumimoji="0" lang="en-US"/>
           </a:p>
         </p:txBody>
       </p:sp>
@@ -874,10 +936,9 @@
           </a:lstStyle>
           <a:p>
             <a:r>
-              <a:rPr kumimoji="0" lang="en-US" smtClean="0"/>
+              <a:rPr kumimoji="0" lang="en-US"/>
               <a:t>Click to edit Master subtitle style</a:t>
             </a:r>
-            <a:endParaRPr kumimoji="0" lang="en-US"/>
           </a:p>
         </p:txBody>
       </p:sp>
@@ -912,7 +973,7 @@
           <a:p>
             <a:fld id="{4CBDEF60-742E-4E1C-BA6F-F3330F27D52A}" type="datetimeFigureOut">
               <a:rPr lang="en-US" smtClean="0"/>
-              <a:t>10/8/2023</a:t>
+              <a:t>10/10/2023</a:t>
             </a:fld>
             <a:endParaRPr lang="en-US"/>
           </a:p>
@@ -1026,15 +1087,12 @@
         <p:spPr/>
         <p:txBody>
           <a:bodyPr/>
-          <a:lstStyle>
-            <a:extLst/>
-          </a:lstStyle>
-          <a:p>
-            <a:r>
-              <a:rPr kumimoji="0" lang="en-US" smtClean="0"/>
+          <a:lstStyle/>
+          <a:p>
+            <a:r>
+              <a:rPr kumimoji="0" lang="en-US"/>
               <a:t>Click to edit Master title style</a:t>
             </a:r>
-            <a:endParaRPr kumimoji="0" lang="en-US"/>
           </a:p>
         </p:txBody>
       </p:sp>
@@ -1051,41 +1109,39 @@
         <p:spPr/>
         <p:txBody>
           <a:bodyPr vert="eaVert"/>
-          <a:lstStyle>
-            <a:extLst/>
-          </a:lstStyle>
+          <a:lstStyle/>
           <a:p>
             <a:pPr lvl="0" eaLnBrk="1" latinLnBrk="0" hangingPunct="1"/>
             <a:r>
-              <a:rPr lang="en-US" smtClean="0"/>
+              <a:rPr lang="en-US"/>
               <a:t>Click to edit Master text styles</a:t>
             </a:r>
           </a:p>
           <a:p>
             <a:pPr lvl="1" eaLnBrk="1" latinLnBrk="0" hangingPunct="1"/>
             <a:r>
-              <a:rPr lang="en-US" smtClean="0"/>
+              <a:rPr lang="en-US"/>
               <a:t>Second level</a:t>
             </a:r>
           </a:p>
           <a:p>
             <a:pPr lvl="2" eaLnBrk="1" latinLnBrk="0" hangingPunct="1"/>
             <a:r>
-              <a:rPr lang="en-US" smtClean="0"/>
+              <a:rPr lang="en-US"/>
               <a:t>Third level</a:t>
             </a:r>
           </a:p>
           <a:p>
             <a:pPr lvl="3" eaLnBrk="1" latinLnBrk="0" hangingPunct="1"/>
             <a:r>
-              <a:rPr lang="en-US" smtClean="0"/>
+              <a:rPr lang="en-US"/>
               <a:t>Fourth level</a:t>
             </a:r>
           </a:p>
           <a:p>
             <a:pPr lvl="4" eaLnBrk="1" latinLnBrk="0" hangingPunct="1"/>
             <a:r>
-              <a:rPr lang="en-US" smtClean="0"/>
+              <a:rPr lang="en-US"/>
               <a:t>Fifth level</a:t>
             </a:r>
             <a:endParaRPr kumimoji="0" lang="en-US"/>
@@ -1105,13 +1161,11 @@
         <p:spPr/>
         <p:txBody>
           <a:bodyPr/>
-          <a:lstStyle>
-            <a:extLst/>
-          </a:lstStyle>
+          <a:lstStyle/>
           <a:p>
             <a:fld id="{4CBDEF60-742E-4E1C-BA6F-F3330F27D52A}" type="datetimeFigureOut">
               <a:rPr lang="en-US" smtClean="0"/>
-              <a:t>10/8/2023</a:t>
+              <a:t>10/10/2023</a:t>
             </a:fld>
             <a:endParaRPr lang="en-US"/>
           </a:p>
@@ -1130,9 +1184,7 @@
         <p:spPr/>
         <p:txBody>
           <a:bodyPr/>
-          <a:lstStyle>
-            <a:extLst/>
-          </a:lstStyle>
+          <a:lstStyle/>
           <a:p>
             <a:endParaRPr lang="en-US"/>
           </a:p>
@@ -1151,9 +1203,7 @@
         <p:spPr/>
         <p:txBody>
           <a:bodyPr/>
-          <a:lstStyle>
-            <a:extLst/>
-          </a:lstStyle>
+          <a:lstStyle/>
           <a:p>
             <a:fld id="{5B232BFD-1AF5-45C8-B6FE-F1381180FF76}" type="slidenum">
               <a:rPr lang="en-US" smtClean="0"/>
@@ -1206,15 +1256,12 @@
         </p:spPr>
         <p:txBody>
           <a:bodyPr vert="eaVert" anchor="t"/>
-          <a:lstStyle>
-            <a:extLst/>
-          </a:lstStyle>
-          <a:p>
-            <a:r>
-              <a:rPr kumimoji="0" lang="en-US" smtClean="0"/>
+          <a:lstStyle/>
+          <a:p>
+            <a:r>
+              <a:rPr kumimoji="0" lang="en-US"/>
               <a:t>Click to edit Master title style</a:t>
             </a:r>
-            <a:endParaRPr kumimoji="0" lang="en-US"/>
           </a:p>
         </p:txBody>
       </p:sp>
@@ -1236,41 +1283,39 @@
         </p:spPr>
         <p:txBody>
           <a:bodyPr vert="eaVert"/>
-          <a:lstStyle>
-            <a:extLst/>
-          </a:lstStyle>
+          <a:lstStyle/>
           <a:p>
             <a:pPr lvl="0" eaLnBrk="1" latinLnBrk="0" hangingPunct="1"/>
             <a:r>
-              <a:rPr lang="en-US" smtClean="0"/>
+              <a:rPr lang="en-US"/>
               <a:t>Click to edit Master text styles</a:t>
             </a:r>
           </a:p>
           <a:p>
             <a:pPr lvl="1" eaLnBrk="1" latinLnBrk="0" hangingPunct="1"/>
             <a:r>
-              <a:rPr lang="en-US" smtClean="0"/>
+              <a:rPr lang="en-US"/>
               <a:t>Second level</a:t>
             </a:r>
           </a:p>
           <a:p>
             <a:pPr lvl="2" eaLnBrk="1" latinLnBrk="0" hangingPunct="1"/>
             <a:r>
-              <a:rPr lang="en-US" smtClean="0"/>
+              <a:rPr lang="en-US"/>
               <a:t>Third level</a:t>
             </a:r>
           </a:p>
           <a:p>
             <a:pPr lvl="3" eaLnBrk="1" latinLnBrk="0" hangingPunct="1"/>
             <a:r>
-              <a:rPr lang="en-US" smtClean="0"/>
+              <a:rPr lang="en-US"/>
               <a:t>Fourth level</a:t>
             </a:r>
           </a:p>
           <a:p>
             <a:pPr lvl="4" eaLnBrk="1" latinLnBrk="0" hangingPunct="1"/>
             <a:r>
-              <a:rPr lang="en-US" smtClean="0"/>
+              <a:rPr lang="en-US"/>
               <a:t>Fifth level</a:t>
             </a:r>
             <a:endParaRPr kumimoji="0" lang="en-US"/>
@@ -1295,13 +1340,11 @@
         </p:spPr>
         <p:txBody>
           <a:bodyPr/>
-          <a:lstStyle>
-            <a:extLst/>
-          </a:lstStyle>
+          <a:lstStyle/>
           <a:p>
             <a:fld id="{4CBDEF60-742E-4E1C-BA6F-F3330F27D52A}" type="datetimeFigureOut">
               <a:rPr lang="en-US" smtClean="0"/>
-              <a:t>10/8/2023</a:t>
+              <a:t>10/10/2023</a:t>
             </a:fld>
             <a:endParaRPr lang="en-US"/>
           </a:p>
@@ -1325,9 +1368,7 @@
         </p:spPr>
         <p:txBody>
           <a:bodyPr/>
-          <a:lstStyle>
-            <a:extLst/>
-          </a:lstStyle>
+          <a:lstStyle/>
           <a:p>
             <a:endParaRPr lang="en-US"/>
           </a:p>
@@ -1408,15 +1449,12 @@
         <p:spPr/>
         <p:txBody>
           <a:bodyPr/>
-          <a:lstStyle>
-            <a:extLst/>
-          </a:lstStyle>
-          <a:p>
-            <a:r>
-              <a:rPr kumimoji="0" lang="en-US" smtClean="0"/>
+          <a:lstStyle/>
+          <a:p>
+            <a:r>
+              <a:rPr kumimoji="0" lang="en-US"/>
               <a:t>Click to edit Master title style</a:t>
             </a:r>
-            <a:endParaRPr kumimoji="0" lang="en-US"/>
           </a:p>
         </p:txBody>
       </p:sp>
@@ -1433,41 +1471,39 @@
         <p:spPr/>
         <p:txBody>
           <a:bodyPr/>
-          <a:lstStyle>
-            <a:extLst/>
-          </a:lstStyle>
+          <a:lstStyle/>
           <a:p>
             <a:pPr lvl="0" eaLnBrk="1" latinLnBrk="0" hangingPunct="1"/>
             <a:r>
-              <a:rPr lang="en-US" smtClean="0"/>
+              <a:rPr lang="en-US"/>
               <a:t>Click to edit Master text styles</a:t>
             </a:r>
           </a:p>
           <a:p>
             <a:pPr lvl="1" eaLnBrk="1" latinLnBrk="0" hangingPunct="1"/>
             <a:r>
-              <a:rPr lang="en-US" smtClean="0"/>
+              <a:rPr lang="en-US"/>
               <a:t>Second level</a:t>
             </a:r>
           </a:p>
           <a:p>
             <a:pPr lvl="2" eaLnBrk="1" latinLnBrk="0" hangingPunct="1"/>
             <a:r>
-              <a:rPr lang="en-US" smtClean="0"/>
+              <a:rPr lang="en-US"/>
               <a:t>Third level</a:t>
             </a:r>
           </a:p>
           <a:p>
             <a:pPr lvl="3" eaLnBrk="1" latinLnBrk="0" hangingPunct="1"/>
             <a:r>
-              <a:rPr lang="en-US" smtClean="0"/>
+              <a:rPr lang="en-US"/>
               <a:t>Fourth level</a:t>
             </a:r>
           </a:p>
           <a:p>
             <a:pPr lvl="4" eaLnBrk="1" latinLnBrk="0" hangingPunct="1"/>
             <a:r>
-              <a:rPr lang="en-US" smtClean="0"/>
+              <a:rPr lang="en-US"/>
               <a:t>Fifth level</a:t>
             </a:r>
             <a:endParaRPr kumimoji="0" lang="en-US"/>
@@ -1487,13 +1523,11 @@
         <p:spPr/>
         <p:txBody>
           <a:bodyPr/>
-          <a:lstStyle>
-            <a:extLst/>
-          </a:lstStyle>
+          <a:lstStyle/>
           <a:p>
             <a:fld id="{4CBDEF60-742E-4E1C-BA6F-F3330F27D52A}" type="datetimeFigureOut">
               <a:rPr lang="en-US" smtClean="0"/>
-              <a:t>10/8/2023</a:t>
+              <a:t>10/10/2023</a:t>
             </a:fld>
             <a:endParaRPr lang="en-US"/>
           </a:p>
@@ -1512,9 +1546,7 @@
         <p:spPr/>
         <p:txBody>
           <a:bodyPr/>
-          <a:lstStyle>
-            <a:extLst/>
-          </a:lstStyle>
+          <a:lstStyle/>
           <a:p>
             <a:endParaRPr lang="en-US"/>
           </a:p>
@@ -1533,9 +1565,7 @@
         <p:spPr/>
         <p:txBody>
           <a:bodyPr/>
-          <a:lstStyle>
-            <a:extLst/>
-          </a:lstStyle>
+          <a:lstStyle/>
           <a:p>
             <a:fld id="{5B232BFD-1AF5-45C8-B6FE-F1381180FF76}" type="slidenum">
               <a:rPr lang="en-US" smtClean="0"/>
@@ -1602,10 +1632,9 @@
           </a:lstStyle>
           <a:p>
             <a:r>
-              <a:rPr kumimoji="0" lang="en-US" smtClean="0"/>
+              <a:rPr kumimoji="0" lang="en-US"/>
               <a:t>Click to edit Master title style</a:t>
             </a:r>
-            <a:endParaRPr kumimoji="0" lang="en-US"/>
           </a:p>
         </p:txBody>
       </p:sp>
@@ -1682,7 +1711,7 @@
           <a:p>
             <a:pPr lvl="0" eaLnBrk="1" latinLnBrk="0" hangingPunct="1"/>
             <a:r>
-              <a:rPr kumimoji="0" lang="en-US" smtClean="0"/>
+              <a:rPr kumimoji="0" lang="en-US"/>
               <a:t>Click to edit Master text styles</a:t>
             </a:r>
           </a:p>
@@ -1719,7 +1748,7 @@
           <a:p>
             <a:fld id="{4CBDEF60-742E-4E1C-BA6F-F3330F27D52A}" type="datetimeFigureOut">
               <a:rPr lang="en-US" smtClean="0"/>
-              <a:t>10/8/2023</a:t>
+              <a:t>10/10/2023</a:t>
             </a:fld>
             <a:endParaRPr lang="en-US"/>
           </a:p>
@@ -1776,9 +1805,7 @@
         </p:spPr>
         <p:txBody>
           <a:bodyPr/>
-          <a:lstStyle>
-            <a:extLst/>
-          </a:lstStyle>
+          <a:lstStyle/>
           <a:p>
             <a:fld id="{5B232BFD-1AF5-45C8-B6FE-F1381180FF76}" type="slidenum">
               <a:rPr lang="en-US" smtClean="0"/>
@@ -1831,15 +1858,12 @@
         </p:spPr>
         <p:txBody>
           <a:bodyPr/>
-          <a:lstStyle>
-            <a:extLst/>
-          </a:lstStyle>
-          <a:p>
-            <a:r>
-              <a:rPr kumimoji="0" lang="en-US" smtClean="0"/>
+          <a:lstStyle/>
+          <a:p>
+            <a:r>
+              <a:rPr kumimoji="0" lang="en-US"/>
               <a:t>Click to edit Master title style</a:t>
             </a:r>
-            <a:endParaRPr kumimoji="0" lang="en-US"/>
           </a:p>
         </p:txBody>
       </p:sp>
@@ -1882,35 +1906,35 @@
           <a:p>
             <a:pPr lvl="0" eaLnBrk="1" latinLnBrk="0" hangingPunct="1"/>
             <a:r>
-              <a:rPr lang="en-US" smtClean="0"/>
+              <a:rPr lang="en-US"/>
               <a:t>Click to edit Master text styles</a:t>
             </a:r>
           </a:p>
           <a:p>
             <a:pPr lvl="1" eaLnBrk="1" latinLnBrk="0" hangingPunct="1"/>
             <a:r>
-              <a:rPr lang="en-US" smtClean="0"/>
+              <a:rPr lang="en-US"/>
               <a:t>Second level</a:t>
             </a:r>
           </a:p>
           <a:p>
             <a:pPr lvl="2" eaLnBrk="1" latinLnBrk="0" hangingPunct="1"/>
             <a:r>
-              <a:rPr lang="en-US" smtClean="0"/>
+              <a:rPr lang="en-US"/>
               <a:t>Third level</a:t>
             </a:r>
           </a:p>
           <a:p>
             <a:pPr lvl="3" eaLnBrk="1" latinLnBrk="0" hangingPunct="1"/>
             <a:r>
-              <a:rPr lang="en-US" smtClean="0"/>
+              <a:rPr lang="en-US"/>
               <a:t>Fourth level</a:t>
             </a:r>
           </a:p>
           <a:p>
             <a:pPr lvl="4" eaLnBrk="1" latinLnBrk="0" hangingPunct="1"/>
             <a:r>
-              <a:rPr lang="en-US" smtClean="0"/>
+              <a:rPr lang="en-US"/>
               <a:t>Fifth level</a:t>
             </a:r>
             <a:endParaRPr kumimoji="0" lang="en-US"/>
@@ -1956,35 +1980,35 @@
           <a:p>
             <a:pPr lvl="0" eaLnBrk="1" latinLnBrk="0" hangingPunct="1"/>
             <a:r>
-              <a:rPr lang="en-US" smtClean="0"/>
+              <a:rPr lang="en-US"/>
               <a:t>Click to edit Master text styles</a:t>
             </a:r>
           </a:p>
           <a:p>
             <a:pPr lvl="1" eaLnBrk="1" latinLnBrk="0" hangingPunct="1"/>
             <a:r>
-              <a:rPr lang="en-US" smtClean="0"/>
+              <a:rPr lang="en-US"/>
               <a:t>Second level</a:t>
             </a:r>
           </a:p>
           <a:p>
             <a:pPr lvl="2" eaLnBrk="1" latinLnBrk="0" hangingPunct="1"/>
             <a:r>
-              <a:rPr lang="en-US" smtClean="0"/>
+              <a:rPr lang="en-US"/>
               <a:t>Third level</a:t>
             </a:r>
           </a:p>
           <a:p>
             <a:pPr lvl="3" eaLnBrk="1" latinLnBrk="0" hangingPunct="1"/>
             <a:r>
-              <a:rPr lang="en-US" smtClean="0"/>
+              <a:rPr lang="en-US"/>
               <a:t>Fourth level</a:t>
             </a:r>
           </a:p>
           <a:p>
             <a:pPr lvl="4" eaLnBrk="1" latinLnBrk="0" hangingPunct="1"/>
             <a:r>
-              <a:rPr lang="en-US" smtClean="0"/>
+              <a:rPr lang="en-US"/>
               <a:t>Fifth level</a:t>
             </a:r>
             <a:endParaRPr kumimoji="0" lang="en-US"/>
@@ -2004,13 +2028,11 @@
         <p:spPr/>
         <p:txBody>
           <a:bodyPr/>
-          <a:lstStyle>
-            <a:extLst/>
-          </a:lstStyle>
+          <a:lstStyle/>
           <a:p>
             <a:fld id="{4CBDEF60-742E-4E1C-BA6F-F3330F27D52A}" type="datetimeFigureOut">
               <a:rPr lang="en-US" smtClean="0"/>
-              <a:t>10/8/2023</a:t>
+              <a:t>10/10/2023</a:t>
             </a:fld>
             <a:endParaRPr lang="en-US"/>
           </a:p>
@@ -2029,9 +2051,7 @@
         <p:spPr/>
         <p:txBody>
           <a:bodyPr/>
-          <a:lstStyle>
-            <a:extLst/>
-          </a:lstStyle>
+          <a:lstStyle/>
           <a:p>
             <a:endParaRPr lang="en-US"/>
           </a:p>
@@ -2050,9 +2070,7 @@
         <p:spPr/>
         <p:txBody>
           <a:bodyPr/>
-          <a:lstStyle>
-            <a:extLst/>
-          </a:lstStyle>
+          <a:lstStyle/>
           <a:p>
             <a:fld id="{5B232BFD-1AF5-45C8-B6FE-F1381180FF76}" type="slidenum">
               <a:rPr lang="en-US" smtClean="0"/>
@@ -2113,10 +2131,9 @@
           </a:lstStyle>
           <a:p>
             <a:r>
-              <a:rPr kumimoji="0" lang="en-US" smtClean="0"/>
+              <a:rPr kumimoji="0" lang="en-US"/>
               <a:t>Click to edit Master title style</a:t>
             </a:r>
-            <a:endParaRPr kumimoji="0" lang="en-US"/>
           </a:p>
         </p:txBody>
       </p:sp>
@@ -2191,7 +2208,7 @@
           <a:p>
             <a:pPr lvl="0" eaLnBrk="1" latinLnBrk="0" hangingPunct="1"/>
             <a:r>
-              <a:rPr kumimoji="0" lang="en-US" smtClean="0"/>
+              <a:rPr kumimoji="0" lang="en-US"/>
               <a:t>Click to edit Master text styles</a:t>
             </a:r>
           </a:p>
@@ -2268,7 +2285,7 @@
           <a:p>
             <a:pPr lvl="0" eaLnBrk="1" latinLnBrk="0" hangingPunct="1"/>
             <a:r>
-              <a:rPr kumimoji="0" lang="en-US" smtClean="0"/>
+              <a:rPr kumimoji="0" lang="en-US"/>
               <a:t>Click to edit Master text styles</a:t>
             </a:r>
           </a:p>
@@ -2313,35 +2330,35 @@
           <a:p>
             <a:pPr lvl="0" eaLnBrk="1" latinLnBrk="0" hangingPunct="1"/>
             <a:r>
-              <a:rPr lang="en-US" smtClean="0"/>
+              <a:rPr lang="en-US"/>
               <a:t>Click to edit Master text styles</a:t>
             </a:r>
           </a:p>
           <a:p>
             <a:pPr lvl="1" eaLnBrk="1" latinLnBrk="0" hangingPunct="1"/>
             <a:r>
-              <a:rPr lang="en-US" smtClean="0"/>
+              <a:rPr lang="en-US"/>
               <a:t>Second level</a:t>
             </a:r>
           </a:p>
           <a:p>
             <a:pPr lvl="2" eaLnBrk="1" latinLnBrk="0" hangingPunct="1"/>
             <a:r>
-              <a:rPr lang="en-US" smtClean="0"/>
+              <a:rPr lang="en-US"/>
               <a:t>Third level</a:t>
             </a:r>
           </a:p>
           <a:p>
             <a:pPr lvl="3" eaLnBrk="1" latinLnBrk="0" hangingPunct="1"/>
             <a:r>
-              <a:rPr lang="en-US" smtClean="0"/>
+              <a:rPr lang="en-US"/>
               <a:t>Fourth level</a:t>
             </a:r>
           </a:p>
           <a:p>
             <a:pPr lvl="4" eaLnBrk="1" latinLnBrk="0" hangingPunct="1"/>
             <a:r>
-              <a:rPr lang="en-US" smtClean="0"/>
+              <a:rPr lang="en-US"/>
               <a:t>Fifth level</a:t>
             </a:r>
             <a:endParaRPr kumimoji="0" lang="en-US"/>
@@ -2387,35 +2404,35 @@
           <a:p>
             <a:pPr lvl="0" eaLnBrk="1" latinLnBrk="0" hangingPunct="1"/>
             <a:r>
-              <a:rPr lang="en-US" smtClean="0"/>
+              <a:rPr lang="en-US"/>
               <a:t>Click to edit Master text styles</a:t>
             </a:r>
           </a:p>
           <a:p>
             <a:pPr lvl="1" eaLnBrk="1" latinLnBrk="0" hangingPunct="1"/>
             <a:r>
-              <a:rPr lang="en-US" smtClean="0"/>
+              <a:rPr lang="en-US"/>
               <a:t>Second level</a:t>
             </a:r>
           </a:p>
           <a:p>
             <a:pPr lvl="2" eaLnBrk="1" latinLnBrk="0" hangingPunct="1"/>
             <a:r>
-              <a:rPr lang="en-US" smtClean="0"/>
+              <a:rPr lang="en-US"/>
               <a:t>Third level</a:t>
             </a:r>
           </a:p>
           <a:p>
             <a:pPr lvl="3" eaLnBrk="1" latinLnBrk="0" hangingPunct="1"/>
             <a:r>
-              <a:rPr lang="en-US" smtClean="0"/>
+              <a:rPr lang="en-US"/>
               <a:t>Fourth level</a:t>
             </a:r>
           </a:p>
           <a:p>
             <a:pPr lvl="4" eaLnBrk="1" latinLnBrk="0" hangingPunct="1"/>
             <a:r>
-              <a:rPr lang="en-US" smtClean="0"/>
+              <a:rPr lang="en-US"/>
               <a:t>Fifth level</a:t>
             </a:r>
             <a:endParaRPr kumimoji="0" lang="en-US"/>
@@ -2435,13 +2452,11 @@
         <p:spPr/>
         <p:txBody>
           <a:bodyPr/>
-          <a:lstStyle>
-            <a:extLst/>
-          </a:lstStyle>
+          <a:lstStyle/>
           <a:p>
             <a:fld id="{4CBDEF60-742E-4E1C-BA6F-F3330F27D52A}" type="datetimeFigureOut">
               <a:rPr lang="en-US" smtClean="0"/>
-              <a:t>10/8/2023</a:t>
+              <a:t>10/10/2023</a:t>
             </a:fld>
             <a:endParaRPr lang="en-US"/>
           </a:p>
@@ -2460,9 +2475,7 @@
         <p:spPr/>
         <p:txBody>
           <a:bodyPr/>
-          <a:lstStyle>
-            <a:extLst/>
-          </a:lstStyle>
+          <a:lstStyle/>
           <a:p>
             <a:endParaRPr lang="en-US"/>
           </a:p>
@@ -2481,9 +2494,7 @@
         <p:spPr/>
         <p:txBody>
           <a:bodyPr/>
-          <a:lstStyle>
-            <a:extLst/>
-          </a:lstStyle>
+          <a:lstStyle/>
           <a:p>
             <a:fld id="{5B232BFD-1AF5-45C8-B6FE-F1381180FF76}" type="slidenum">
               <a:rPr lang="en-US" smtClean="0"/>
@@ -2536,15 +2547,12 @@
         </p:spPr>
         <p:txBody>
           <a:bodyPr/>
-          <a:lstStyle>
-            <a:extLst/>
-          </a:lstStyle>
-          <a:p>
-            <a:r>
-              <a:rPr kumimoji="0" lang="en-US" smtClean="0"/>
+          <a:lstStyle/>
+          <a:p>
+            <a:r>
+              <a:rPr kumimoji="0" lang="en-US"/>
               <a:t>Click to edit Master title style</a:t>
             </a:r>
-            <a:endParaRPr kumimoji="0" lang="en-US"/>
           </a:p>
         </p:txBody>
       </p:sp>
@@ -2561,13 +2569,11 @@
         <p:spPr/>
         <p:txBody>
           <a:bodyPr/>
-          <a:lstStyle>
-            <a:extLst/>
-          </a:lstStyle>
+          <a:lstStyle/>
           <a:p>
             <a:fld id="{4CBDEF60-742E-4E1C-BA6F-F3330F27D52A}" type="datetimeFigureOut">
               <a:rPr lang="en-US" smtClean="0"/>
-              <a:t>10/8/2023</a:t>
+              <a:t>10/10/2023</a:t>
             </a:fld>
             <a:endParaRPr lang="en-US"/>
           </a:p>
@@ -2586,9 +2592,7 @@
         <p:spPr/>
         <p:txBody>
           <a:bodyPr/>
-          <a:lstStyle>
-            <a:extLst/>
-          </a:lstStyle>
+          <a:lstStyle/>
           <a:p>
             <a:endParaRPr lang="en-US"/>
           </a:p>
@@ -2607,9 +2611,7 @@
         <p:spPr/>
         <p:txBody>
           <a:bodyPr/>
-          <a:lstStyle>
-            <a:extLst/>
-          </a:lstStyle>
+          <a:lstStyle/>
           <a:p>
             <a:fld id="{5B232BFD-1AF5-45C8-B6FE-F1381180FF76}" type="slidenum">
               <a:rPr lang="en-US" smtClean="0"/>
@@ -2670,7 +2672,7 @@
           <a:p>
             <a:fld id="{4CBDEF60-742E-4E1C-BA6F-F3330F27D52A}" type="datetimeFigureOut">
               <a:rPr lang="en-US" smtClean="0"/>
-              <a:t>10/8/2023</a:t>
+              <a:t>10/10/2023</a:t>
             </a:fld>
             <a:endParaRPr lang="en-US"/>
           </a:p>
@@ -2717,9 +2719,7 @@
         <p:spPr/>
         <p:txBody>
           <a:bodyPr/>
-          <a:lstStyle>
-            <a:extLst/>
-          </a:lstStyle>
+          <a:lstStyle/>
           <a:p>
             <a:fld id="{5B232BFD-1AF5-45C8-B6FE-F1381180FF76}" type="slidenum">
               <a:rPr lang="en-US" smtClean="0"/>
@@ -2781,10 +2781,9 @@
           </a:lstStyle>
           <a:p>
             <a:r>
-              <a:rPr kumimoji="0" lang="en-US" smtClean="0"/>
+              <a:rPr kumimoji="0" lang="en-US"/>
               <a:t>Click to edit Master title style</a:t>
             </a:r>
-            <a:endParaRPr kumimoji="0" lang="en-US"/>
           </a:p>
         </p:txBody>
       </p:sp>
@@ -2840,7 +2839,7 @@
           <a:p>
             <a:pPr lvl="0" eaLnBrk="1" latinLnBrk="0" hangingPunct="1"/>
             <a:r>
-              <a:rPr kumimoji="0" lang="en-US" smtClean="0"/>
+              <a:rPr kumimoji="0" lang="en-US"/>
               <a:t>Click to edit Master text styles</a:t>
             </a:r>
           </a:p>
@@ -2885,35 +2884,35 @@
           <a:p>
             <a:pPr lvl="0" eaLnBrk="1" latinLnBrk="0" hangingPunct="1"/>
             <a:r>
-              <a:rPr lang="en-US" smtClean="0"/>
+              <a:rPr lang="en-US"/>
               <a:t>Click to edit Master text styles</a:t>
             </a:r>
           </a:p>
           <a:p>
             <a:pPr lvl="1" eaLnBrk="1" latinLnBrk="0" hangingPunct="1"/>
             <a:r>
-              <a:rPr lang="en-US" smtClean="0"/>
+              <a:rPr lang="en-US"/>
               <a:t>Second level</a:t>
             </a:r>
           </a:p>
           <a:p>
             <a:pPr lvl="2" eaLnBrk="1" latinLnBrk="0" hangingPunct="1"/>
             <a:r>
-              <a:rPr lang="en-US" smtClean="0"/>
+              <a:rPr lang="en-US"/>
               <a:t>Third level</a:t>
             </a:r>
           </a:p>
           <a:p>
             <a:pPr lvl="3" eaLnBrk="1" latinLnBrk="0" hangingPunct="1"/>
             <a:r>
-              <a:rPr lang="en-US" smtClean="0"/>
+              <a:rPr lang="en-US"/>
               <a:t>Fourth level</a:t>
             </a:r>
           </a:p>
           <a:p>
             <a:pPr lvl="4" eaLnBrk="1" latinLnBrk="0" hangingPunct="1"/>
             <a:r>
-              <a:rPr lang="en-US" smtClean="0"/>
+              <a:rPr lang="en-US"/>
               <a:t>Fifth level</a:t>
             </a:r>
             <a:endParaRPr kumimoji="0" lang="en-US"/>
@@ -2933,13 +2932,11 @@
         <p:spPr/>
         <p:txBody>
           <a:bodyPr/>
-          <a:lstStyle>
-            <a:extLst/>
-          </a:lstStyle>
+          <a:lstStyle/>
           <a:p>
             <a:fld id="{4CBDEF60-742E-4E1C-BA6F-F3330F27D52A}" type="datetimeFigureOut">
               <a:rPr lang="en-US" smtClean="0"/>
-              <a:t>10/8/2023</a:t>
+              <a:t>10/10/2023</a:t>
             </a:fld>
             <a:endParaRPr lang="en-US"/>
           </a:p>
@@ -2958,9 +2955,7 @@
         <p:spPr/>
         <p:txBody>
           <a:bodyPr/>
-          <a:lstStyle>
-            <a:extLst/>
-          </a:lstStyle>
+          <a:lstStyle/>
           <a:p>
             <a:endParaRPr lang="en-US"/>
           </a:p>
@@ -2979,9 +2974,7 @@
         <p:spPr/>
         <p:txBody>
           <a:bodyPr/>
-          <a:lstStyle>
-            <a:extLst/>
-          </a:lstStyle>
+          <a:lstStyle/>
           <a:p>
             <a:fld id="{5B232BFD-1AF5-45C8-B6FE-F1381180FF76}" type="slidenum">
               <a:rPr lang="en-US" smtClean="0"/>
@@ -3068,9 +3061,7 @@
         </p:style>
         <p:txBody>
           <a:bodyPr rtlCol="0" anchor="ctr"/>
-          <a:lstStyle>
-            <a:extLst/>
-          </a:lstStyle>
+          <a:lstStyle/>
           <a:p>
             <a:pPr algn="ctr" eaLnBrk="1" latinLnBrk="0" hangingPunct="1"/>
             <a:endParaRPr kumimoji="0" lang="en-US"/>
@@ -3124,9 +3115,7 @@
         </p:style>
         <p:txBody>
           <a:bodyPr rtlCol="0" anchor="ctr"/>
-          <a:lstStyle>
-            <a:extLst/>
-          </a:lstStyle>
+          <a:lstStyle/>
           <a:p>
             <a:pPr algn="ctr" eaLnBrk="1" latinLnBrk="0" hangingPunct="1"/>
             <a:endParaRPr kumimoji="0" lang="en-US"/>
@@ -3200,7 +3189,7 @@
           </a:lstStyle>
           <a:p>
             <a:r>
-              <a:rPr kumimoji="0" lang="en-US" smtClean="0"/>
+              <a:rPr kumimoji="0" lang="en-US"/>
               <a:t>Click to edit Master title style</a:t>
             </a:r>
             <a:endParaRPr kumimoji="0" lang="en-US" dirty="0"/>
@@ -3278,7 +3267,7 @@
               <a:defRPr/>
             </a:pPr>
             <a:r>
-              <a:rPr kumimoji="0" lang="en-US" smtClean="0"/>
+              <a:rPr kumimoji="0" lang="en-US"/>
               <a:t>Click to edit Master text styles</a:t>
             </a:r>
           </a:p>
@@ -3297,13 +3286,11 @@
         <p:spPr/>
         <p:txBody>
           <a:bodyPr/>
-          <a:lstStyle>
-            <a:extLst/>
-          </a:lstStyle>
+          <a:lstStyle/>
           <a:p>
             <a:fld id="{4CBDEF60-742E-4E1C-BA6F-F3330F27D52A}" type="datetimeFigureOut">
               <a:rPr lang="en-US" smtClean="0"/>
-              <a:t>10/8/2023</a:t>
+              <a:t>10/10/2023</a:t>
             </a:fld>
             <a:endParaRPr lang="en-US"/>
           </a:p>
@@ -3322,9 +3309,7 @@
         <p:spPr/>
         <p:txBody>
           <a:bodyPr/>
-          <a:lstStyle>
-            <a:extLst/>
-          </a:lstStyle>
+          <a:lstStyle/>
           <a:p>
             <a:endParaRPr lang="en-US"/>
           </a:p>
@@ -3343,9 +3328,7 @@
         <p:spPr/>
         <p:txBody>
           <a:bodyPr/>
-          <a:lstStyle>
-            <a:extLst/>
-          </a:lstStyle>
+          <a:lstStyle/>
           <a:p>
             <a:fld id="{5B232BFD-1AF5-45C8-B6FE-F1381180FF76}" type="slidenum">
               <a:rPr lang="en-US" smtClean="0"/>
@@ -3409,7 +3392,7 @@
           </a:lstStyle>
           <a:p>
             <a:r>
-              <a:rPr kumimoji="0" lang="en-US" smtClean="0"/>
+              <a:rPr kumimoji="0" lang="en-US"/>
               <a:t>Click icon to add picture</a:t>
             </a:r>
             <a:endParaRPr kumimoji="0" lang="en-US" dirty="0"/>
@@ -3516,9 +3499,7 @@
         </p:style>
         <p:txBody>
           <a:bodyPr anchor="ctr"/>
-          <a:lstStyle>
-            <a:extLst/>
-          </a:lstStyle>
+          <a:lstStyle/>
           <a:p>
             <a:pPr algn="ctr" eaLnBrk="1" latinLnBrk="0" hangingPunct="1"/>
             <a:endParaRPr kumimoji="0" lang="en-US"/>
@@ -3548,15 +3529,12 @@
           <a:bodyPr vert="horz" lIns="45720" tIns="0" rIns="45720" bIns="0" anchor="b" anchorCtr="0">
             <a:normAutofit/>
           </a:bodyPr>
-          <a:lstStyle>
-            <a:extLst/>
-          </a:lstStyle>
-          <a:p>
-            <a:r>
-              <a:rPr kumimoji="0" lang="en-US" smtClean="0"/>
+          <a:lstStyle/>
+          <a:p>
+            <a:r>
+              <a:rPr kumimoji="0" lang="en-US"/>
               <a:t>Click to edit Master title style</a:t>
             </a:r>
-            <a:endParaRPr kumimoji="0" lang="en-US"/>
           </a:p>
         </p:txBody>
       </p:sp>
@@ -3583,44 +3561,41 @@
           <a:bodyPr vert="horz">
             <a:normAutofit/>
           </a:bodyPr>
-          <a:lstStyle>
-            <a:extLst/>
-          </a:lstStyle>
+          <a:lstStyle/>
           <a:p>
             <a:pPr lvl="0" eaLnBrk="1" latinLnBrk="0" hangingPunct="1"/>
             <a:r>
-              <a:rPr kumimoji="0" lang="en-US" smtClean="0"/>
+              <a:rPr kumimoji="0" lang="en-US"/>
               <a:t>Click to edit Master text styles</a:t>
             </a:r>
           </a:p>
           <a:p>
             <a:pPr lvl="1" eaLnBrk="1" latinLnBrk="0" hangingPunct="1"/>
             <a:r>
-              <a:rPr kumimoji="0" lang="en-US" smtClean="0"/>
+              <a:rPr kumimoji="0" lang="en-US"/>
               <a:t>Second level</a:t>
             </a:r>
           </a:p>
           <a:p>
             <a:pPr lvl="2" eaLnBrk="1" latinLnBrk="0" hangingPunct="1"/>
             <a:r>
-              <a:rPr kumimoji="0" lang="en-US" smtClean="0"/>
+              <a:rPr kumimoji="0" lang="en-US"/>
               <a:t>Third level</a:t>
             </a:r>
           </a:p>
           <a:p>
             <a:pPr lvl="3" eaLnBrk="1" latinLnBrk="0" hangingPunct="1"/>
             <a:r>
-              <a:rPr kumimoji="0" lang="en-US" smtClean="0"/>
+              <a:rPr kumimoji="0" lang="en-US"/>
               <a:t>Fourth level</a:t>
             </a:r>
           </a:p>
           <a:p>
             <a:pPr lvl="4" eaLnBrk="1" latinLnBrk="0" hangingPunct="1"/>
             <a:r>
-              <a:rPr kumimoji="0" lang="en-US" smtClean="0"/>
+              <a:rPr kumimoji="0" lang="en-US"/>
               <a:t>Fifth level</a:t>
             </a:r>
-            <a:endParaRPr kumimoji="0" lang="en-US"/>
           </a:p>
         </p:txBody>
       </p:sp>
@@ -3658,7 +3633,7 @@
           <a:p>
             <a:fld id="{4CBDEF60-742E-4E1C-BA6F-F3330F27D52A}" type="datetimeFigureOut">
               <a:rPr lang="en-US" smtClean="0"/>
-              <a:t>10/8/2023</a:t>
+              <a:t>10/10/2023</a:t>
             </a:fld>
             <a:endParaRPr lang="en-US"/>
           </a:p>
@@ -4129,14 +4104,14 @@
           <a:p>
             <a:pPr marL="514350" indent="-514350"/>
             <a:r>
-              <a:rPr lang="en-CA" sz="3000" dirty="0" smtClean="0"/>
+              <a:rPr lang="en-CA" sz="3000" dirty="0"/>
               <a:t>University of Toronto Data Visualization Boot Camp:</a:t>
             </a:r>
             <a:br>
-              <a:rPr lang="en-CA" sz="3000" dirty="0" smtClean="0"/>
+              <a:rPr lang="en-CA" sz="3000" dirty="0"/>
             </a:br>
             <a:r>
-              <a:rPr lang="en-CA" sz="3000" dirty="0" smtClean="0"/>
+              <a:rPr lang="en-CA" sz="3000" dirty="0"/>
               <a:t>FACTORS IMPACTING CONSUMER SPENDING ON AIRBNB IN New York City</a:t>
             </a:r>
             <a:endParaRPr lang="en-US" sz="3000" dirty="0"/>
@@ -4181,50 +4156,45 @@
               <a:rPr lang="en-US" dirty="0"/>
               <a:t> </a:t>
             </a:r>
-            <a:endParaRPr lang="en-US" dirty="0" smtClean="0"/>
-          </a:p>
-          <a:p>
-            <a:r>
-              <a:rPr lang="en-US" dirty="0" err="1" smtClean="0"/>
+          </a:p>
+          <a:p>
+            <a:r>
+              <a:rPr lang="en-US" dirty="0" err="1"/>
               <a:t>Arshdeep</a:t>
             </a:r>
             <a:r>
-              <a:rPr lang="en-US" dirty="0" smtClean="0"/>
+              <a:rPr lang="en-US" dirty="0"/>
               <a:t> </a:t>
             </a:r>
             <a:r>
-              <a:rPr lang="en-US" dirty="0" err="1" smtClean="0"/>
+              <a:rPr lang="en-US" dirty="0" err="1"/>
               <a:t>Khurana</a:t>
             </a:r>
-            <a:endParaRPr lang="en-US" dirty="0" smtClean="0"/>
-          </a:p>
-          <a:p>
-            <a:r>
-              <a:rPr lang="en-US" dirty="0" err="1" smtClean="0"/>
+            <a:endParaRPr lang="en-US" dirty="0"/>
+          </a:p>
+          <a:p>
+            <a:r>
+              <a:rPr lang="en-US" dirty="0" err="1"/>
               <a:t>Nasir</a:t>
             </a:r>
             <a:r>
-              <a:rPr lang="en-US" dirty="0" smtClean="0"/>
+              <a:rPr lang="en-US" dirty="0"/>
               <a:t> </a:t>
             </a:r>
             <a:r>
-              <a:rPr lang="en-US" dirty="0" err="1" smtClean="0"/>
+              <a:rPr lang="en-US" dirty="0" err="1"/>
               <a:t>Qadri</a:t>
             </a:r>
-            <a:endParaRPr lang="en-US" dirty="0" smtClean="0"/>
-          </a:p>
-          <a:p>
-            <a:r>
-              <a:rPr lang="en-US" dirty="0" err="1" smtClean="0"/>
+            <a:endParaRPr lang="en-US" dirty="0"/>
+          </a:p>
+          <a:p>
+            <a:r>
+              <a:rPr lang="en-US" dirty="0" err="1"/>
               <a:t>Kaylyn</a:t>
             </a:r>
             <a:r>
-              <a:rPr lang="en-US" dirty="0" smtClean="0"/>
-              <a:t> </a:t>
-            </a:r>
-            <a:r>
               <a:rPr lang="en-US" dirty="0"/>
-              <a:t>Valdez-Scott </a:t>
+              <a:t> Valdez-Scott </a:t>
             </a:r>
           </a:p>
         </p:txBody>
@@ -4277,7 +4247,7 @@
           <a:lstStyle/>
           <a:p>
             <a:r>
-              <a:rPr lang="en-CA" dirty="0" smtClean="0"/>
+              <a:rPr lang="en-CA" dirty="0"/>
               <a:t>Do different neighbourhoods or neighbourhood groups differ in price?</a:t>
             </a:r>
             <a:endParaRPr lang="en-US" dirty="0"/>
@@ -4334,8 +4304,20 @@
             <a:tbl>
               <a:tblPr/>
               <a:tblGrid>
-                <a:gridCol w="1536700"/>
-                <a:gridCol w="698500"/>
+                <a:gridCol w="1536700">
+                  <a:extLst>
+                    <a:ext uri="{9D8B030D-6E8A-4147-A177-3AD203B41FA5}">
+                      <a16:colId xmlns:a16="http://schemas.microsoft.com/office/drawing/2014/main" val="20000"/>
+                    </a:ext>
+                  </a:extLst>
+                </a:gridCol>
+                <a:gridCol w="698500">
+                  <a:extLst>
+                    <a:ext uri="{9D8B030D-6E8A-4147-A177-3AD203B41FA5}">
+                      <a16:colId xmlns:a16="http://schemas.microsoft.com/office/drawing/2014/main" val="20001"/>
+                    </a:ext>
+                  </a:extLst>
+                </a:gridCol>
               </a:tblGrid>
               <a:tr h="190500">
                 <a:tc>
@@ -4441,6 +4423,11 @@
                     </a:solidFill>
                   </a:tcPr>
                 </a:tc>
+                <a:extLst>
+                  <a:ext uri="{0D108BD9-81ED-4DB2-BD59-A6C34878D82A}">
+                    <a16:rowId xmlns:a16="http://schemas.microsoft.com/office/drawing/2014/main" val="10000"/>
+                  </a:ext>
+                </a:extLst>
               </a:tr>
               <a:tr h="190500">
                 <a:tc>
@@ -4549,6 +4536,11 @@
                     </a:solidFill>
                   </a:tcPr>
                 </a:tc>
+                <a:extLst>
+                  <a:ext uri="{0D108BD9-81ED-4DB2-BD59-A6C34878D82A}">
+                    <a16:rowId xmlns:a16="http://schemas.microsoft.com/office/drawing/2014/main" val="10001"/>
+                  </a:ext>
+                </a:extLst>
               </a:tr>
               <a:tr h="190500">
                 <a:tc>
@@ -4657,6 +4649,11 @@
                     </a:solidFill>
                   </a:tcPr>
                 </a:tc>
+                <a:extLst>
+                  <a:ext uri="{0D108BD9-81ED-4DB2-BD59-A6C34878D82A}">
+                    <a16:rowId xmlns:a16="http://schemas.microsoft.com/office/drawing/2014/main" val="10002"/>
+                  </a:ext>
+                </a:extLst>
               </a:tr>
               <a:tr h="0">
                 <a:tc>
@@ -4765,6 +4762,11 @@
                     </a:solidFill>
                   </a:tcPr>
                 </a:tc>
+                <a:extLst>
+                  <a:ext uri="{0D108BD9-81ED-4DB2-BD59-A6C34878D82A}">
+                    <a16:rowId xmlns:a16="http://schemas.microsoft.com/office/drawing/2014/main" val="10003"/>
+                  </a:ext>
+                </a:extLst>
               </a:tr>
               <a:tr h="190500">
                 <a:tc>
@@ -4873,6 +4875,11 @@
                     </a:solidFill>
                   </a:tcPr>
                 </a:tc>
+                <a:extLst>
+                  <a:ext uri="{0D108BD9-81ED-4DB2-BD59-A6C34878D82A}">
+                    <a16:rowId xmlns:a16="http://schemas.microsoft.com/office/drawing/2014/main" val="10004"/>
+                  </a:ext>
+                </a:extLst>
               </a:tr>
               <a:tr h="190500">
                 <a:tc>
@@ -4969,6 +4976,11 @@
                     </a:solidFill>
                   </a:tcPr>
                 </a:tc>
+                <a:extLst>
+                  <a:ext uri="{0D108BD9-81ED-4DB2-BD59-A6C34878D82A}">
+                    <a16:rowId xmlns:a16="http://schemas.microsoft.com/office/drawing/2014/main" val="10005"/>
+                  </a:ext>
+                </a:extLst>
               </a:tr>
             </a:tbl>
           </a:graphicData>
@@ -5012,13 +5024,6 @@
   <p:clrMapOvr>
     <a:masterClrMapping/>
   </p:clrMapOvr>
-  <p:timing>
-    <p:tnLst>
-      <p:par>
-        <p:cTn id="1" dur="indefinite" restart="never" nodeType="tmRoot"/>
-      </p:par>
-    </p:tnLst>
-  </p:timing>
 </p:sld>
 </file>
 
@@ -5062,7 +5067,7 @@
           <a:lstStyle/>
           <a:p>
             <a:r>
-              <a:rPr lang="en-CA" dirty="0" smtClean="0"/>
+              <a:rPr lang="en-CA" dirty="0"/>
               <a:t>Listing volume by neighbourhood	group</a:t>
             </a:r>
             <a:endParaRPr lang="en-US" dirty="0"/>
@@ -5151,7 +5156,7 @@
           <a:lstStyle/>
           <a:p>
             <a:r>
-              <a:rPr lang="en-CA" dirty="0" smtClean="0"/>
+              <a:rPr lang="en-CA" dirty="0"/>
               <a:t>Do different neighbourhoods or neighbourhood groups differ in price?</a:t>
             </a:r>
             <a:endParaRPr lang="en-US" dirty="0"/>
@@ -5234,7 +5239,7 @@
           <a:lstStyle/>
           <a:p>
             <a:r>
-              <a:rPr lang="en-CA" dirty="0" smtClean="0"/>
+              <a:rPr lang="en-CA" dirty="0"/>
               <a:t>Does having a verified host impact price?</a:t>
             </a:r>
             <a:endParaRPr lang="en-US" dirty="0"/>
@@ -5350,7 +5355,7 @@
           <a:lstStyle/>
           <a:p>
             <a:r>
-              <a:rPr lang="en-CA" dirty="0" smtClean="0"/>
+              <a:rPr lang="en-CA" dirty="0"/>
               <a:t>Does construction year impact price</a:t>
             </a:r>
             <a:endParaRPr lang="en-US" dirty="0"/>
@@ -5407,12 +5412,48 @@
             <a:tbl>
               <a:tblPr/>
               <a:tblGrid>
-                <a:gridCol w="1066187"/>
-                <a:gridCol w="1108205"/>
-                <a:gridCol w="1078442"/>
-                <a:gridCol w="952391"/>
-                <a:gridCol w="952391"/>
-                <a:gridCol w="938385"/>
+                <a:gridCol w="1066187">
+                  <a:extLst>
+                    <a:ext uri="{9D8B030D-6E8A-4147-A177-3AD203B41FA5}">
+                      <a16:colId xmlns:a16="http://schemas.microsoft.com/office/drawing/2014/main" val="20000"/>
+                    </a:ext>
+                  </a:extLst>
+                </a:gridCol>
+                <a:gridCol w="1108205">
+                  <a:extLst>
+                    <a:ext uri="{9D8B030D-6E8A-4147-A177-3AD203B41FA5}">
+                      <a16:colId xmlns:a16="http://schemas.microsoft.com/office/drawing/2014/main" val="20001"/>
+                    </a:ext>
+                  </a:extLst>
+                </a:gridCol>
+                <a:gridCol w="1078442">
+                  <a:extLst>
+                    <a:ext uri="{9D8B030D-6E8A-4147-A177-3AD203B41FA5}">
+                      <a16:colId xmlns:a16="http://schemas.microsoft.com/office/drawing/2014/main" val="20002"/>
+                    </a:ext>
+                  </a:extLst>
+                </a:gridCol>
+                <a:gridCol w="952391">
+                  <a:extLst>
+                    <a:ext uri="{9D8B030D-6E8A-4147-A177-3AD203B41FA5}">
+                      <a16:colId xmlns:a16="http://schemas.microsoft.com/office/drawing/2014/main" val="20003"/>
+                    </a:ext>
+                  </a:extLst>
+                </a:gridCol>
+                <a:gridCol w="952391">
+                  <a:extLst>
+                    <a:ext uri="{9D8B030D-6E8A-4147-A177-3AD203B41FA5}">
+                      <a16:colId xmlns:a16="http://schemas.microsoft.com/office/drawing/2014/main" val="20004"/>
+                    </a:ext>
+                  </a:extLst>
+                </a:gridCol>
+                <a:gridCol w="938385">
+                  <a:extLst>
+                    <a:ext uri="{9D8B030D-6E8A-4147-A177-3AD203B41FA5}">
+                      <a16:colId xmlns:a16="http://schemas.microsoft.com/office/drawing/2014/main" val="20005"/>
+                    </a:ext>
+                  </a:extLst>
+                </a:gridCol>
               </a:tblGrid>
               <a:tr h="115614">
                 <a:tc>
@@ -5727,6 +5768,11 @@
                     </a:solidFill>
                   </a:tcPr>
                 </a:tc>
+                <a:extLst>
+                  <a:ext uri="{0D108BD9-81ED-4DB2-BD59-A6C34878D82A}">
+                    <a16:rowId xmlns:a16="http://schemas.microsoft.com/office/drawing/2014/main" val="10000"/>
+                  </a:ext>
+                </a:extLst>
               </a:tr>
               <a:tr h="134532">
                 <a:tc>
@@ -6077,6 +6123,11 @@
                     </a:solidFill>
                   </a:tcPr>
                 </a:tc>
+                <a:extLst>
+                  <a:ext uri="{0D108BD9-81ED-4DB2-BD59-A6C34878D82A}">
+                    <a16:rowId xmlns:a16="http://schemas.microsoft.com/office/drawing/2014/main" val="10001"/>
+                  </a:ext>
+                </a:extLst>
               </a:tr>
               <a:tr h="134532">
                 <a:tc>
@@ -6427,6 +6478,11 @@
                     </a:solidFill>
                   </a:tcPr>
                 </a:tc>
+                <a:extLst>
+                  <a:ext uri="{0D108BD9-81ED-4DB2-BD59-A6C34878D82A}">
+                    <a16:rowId xmlns:a16="http://schemas.microsoft.com/office/drawing/2014/main" val="10002"/>
+                  </a:ext>
+                </a:extLst>
               </a:tr>
               <a:tr h="134532">
                 <a:tc>
@@ -6777,6 +6833,11 @@
                     </a:solidFill>
                   </a:tcPr>
                 </a:tc>
+                <a:extLst>
+                  <a:ext uri="{0D108BD9-81ED-4DB2-BD59-A6C34878D82A}">
+                    <a16:rowId xmlns:a16="http://schemas.microsoft.com/office/drawing/2014/main" val="10003"/>
+                  </a:ext>
+                </a:extLst>
               </a:tr>
               <a:tr h="134532">
                 <a:tc>
@@ -7127,6 +7188,11 @@
                     </a:solidFill>
                   </a:tcPr>
                 </a:tc>
+                <a:extLst>
+                  <a:ext uri="{0D108BD9-81ED-4DB2-BD59-A6C34878D82A}">
+                    <a16:rowId xmlns:a16="http://schemas.microsoft.com/office/drawing/2014/main" val="10004"/>
+                  </a:ext>
+                </a:extLst>
               </a:tr>
               <a:tr h="134532">
                 <a:tc>
@@ -7477,6 +7543,11 @@
                     </a:solidFill>
                   </a:tcPr>
                 </a:tc>
+                <a:extLst>
+                  <a:ext uri="{0D108BD9-81ED-4DB2-BD59-A6C34878D82A}">
+                    <a16:rowId xmlns:a16="http://schemas.microsoft.com/office/drawing/2014/main" val="10005"/>
+                  </a:ext>
+                </a:extLst>
               </a:tr>
               <a:tr h="134532">
                 <a:tc>
@@ -7791,6 +7862,11 @@
                     </a:solidFill>
                   </a:tcPr>
                 </a:tc>
+                <a:extLst>
+                  <a:ext uri="{0D108BD9-81ED-4DB2-BD59-A6C34878D82A}">
+                    <a16:rowId xmlns:a16="http://schemas.microsoft.com/office/drawing/2014/main" val="10006"/>
+                  </a:ext>
+                </a:extLst>
               </a:tr>
             </a:tbl>
           </a:graphicData>
@@ -7842,7 +7918,7 @@
           <a:lstStyle/>
           <a:p>
             <a:r>
-              <a:rPr lang="en-CA" dirty="0" smtClean="0"/>
+              <a:rPr lang="en-CA" dirty="0"/>
               <a:t>Room Type</a:t>
             </a:r>
             <a:endParaRPr lang="en-US" dirty="0"/>
@@ -8214,7 +8290,7 @@
           <a:lstStyle/>
           <a:p>
             <a:r>
-              <a:rPr lang="en-CA" dirty="0" smtClean="0"/>
+              <a:rPr lang="en-CA" dirty="0"/>
               <a:t>Price vs. Room type</a:t>
             </a:r>
             <a:endParaRPr lang="en-US" dirty="0"/>
@@ -8226,13 +8302,6 @@
   <p:clrMapOvr>
     <a:masterClrMapping/>
   </p:clrMapOvr>
-  <p:timing>
-    <p:tnLst>
-      <p:par>
-        <p:cTn id="1" dur="indefinite" restart="never" nodeType="tmRoot"/>
-      </p:par>
-    </p:tnLst>
-  </p:timing>
 </p:sld>
 </file>
 
@@ -8276,7 +8345,7 @@
           <a:lstStyle/>
           <a:p>
             <a:r>
-              <a:rPr lang="en-CA" sz="2400" dirty="0" smtClean="0"/>
+              <a:rPr lang="en-CA" sz="2400" dirty="0"/>
               <a:t>do number of reviews differ based on room type? </a:t>
             </a:r>
             <a:endParaRPr lang="en-US" sz="2400" dirty="0"/>
@@ -8422,13 +8491,6 @@
   <p:clrMapOvr>
     <a:masterClrMapping/>
   </p:clrMapOvr>
-  <p:timing>
-    <p:tnLst>
-      <p:par>
-        <p:cTn id="1" dur="indefinite" restart="never" nodeType="tmRoot"/>
-      </p:par>
-    </p:tnLst>
-  </p:timing>
 </p:sld>
 </file>
 
@@ -8472,7 +8534,7 @@
           <a:lstStyle/>
           <a:p>
             <a:r>
-              <a:rPr lang="en-CA" sz="2000" dirty="0" smtClean="0"/>
+              <a:rPr lang="en-CA" sz="2000" dirty="0"/>
               <a:t>Does the review rate number impact the price?</a:t>
             </a:r>
             <a:endParaRPr lang="en-US" sz="2000" dirty="0"/>
@@ -8593,7 +8655,7 @@
           <a:lstStyle/>
           <a:p>
             <a:r>
-              <a:rPr lang="en-CA" sz="2000" dirty="0" smtClean="0"/>
+              <a:rPr lang="en-CA" sz="2000" dirty="0"/>
               <a:t>Does the review rate number impact the price?</a:t>
             </a:r>
             <a:endParaRPr lang="en-US" sz="2000" dirty="0"/>
@@ -8674,7 +8736,7 @@
           <a:lstStyle/>
           <a:p>
             <a:r>
-              <a:rPr lang="en-CA" dirty="0" smtClean="0"/>
+              <a:rPr lang="en-CA" dirty="0"/>
               <a:t>Project description</a:t>
             </a:r>
             <a:endParaRPr lang="en-US" dirty="0"/>
@@ -8700,15 +8762,15 @@
               <a:buNone/>
             </a:pPr>
             <a:r>
-              <a:rPr lang="en-CA" dirty="0" smtClean="0"/>
+              <a:rPr lang="en-CA" dirty="0"/>
               <a:t>Our team was hired by </a:t>
             </a:r>
             <a:r>
-              <a:rPr lang="en-CA" dirty="0" err="1" smtClean="0"/>
+              <a:rPr lang="en-CA" dirty="0" err="1"/>
               <a:t>Airbnb</a:t>
             </a:r>
             <a:r>
-              <a:rPr lang="en-CA" dirty="0" smtClean="0"/>
+              <a:rPr lang="en-CA" dirty="0"/>
               <a:t> to analyze various factors and determine any impacts on customer spending</a:t>
             </a:r>
             <a:endParaRPr lang="en-US" dirty="0"/>
@@ -8758,7 +8820,7 @@
           <a:lstStyle/>
           <a:p>
             <a:r>
-              <a:rPr lang="en-CA" dirty="0" smtClean="0"/>
+              <a:rPr lang="en-CA" dirty="0"/>
               <a:t>How prevalent is a cancellation policy?</a:t>
             </a:r>
             <a:endParaRPr lang="en-US" dirty="0"/>
@@ -8874,7 +8936,7 @@
           <a:lstStyle/>
           <a:p>
             <a:r>
-              <a:rPr lang="en-CA" dirty="0" smtClean="0"/>
+              <a:rPr lang="en-CA" dirty="0"/>
               <a:t>Do Minimum Nights of a Listing impact the price</a:t>
             </a:r>
             <a:endParaRPr lang="en-US" dirty="0"/>
@@ -8988,7 +9050,7 @@
           <a:lstStyle/>
           <a:p>
             <a:r>
-              <a:rPr lang="en-CA" dirty="0" smtClean="0"/>
+              <a:rPr lang="en-CA" dirty="0"/>
               <a:t>Further investigation</a:t>
             </a:r>
             <a:endParaRPr lang="en-US" dirty="0"/>
@@ -9014,50 +9076,38 @@
           <a:p>
             <a:pPr fontAlgn="base"/>
             <a:r>
-              <a:rPr lang="en-US" dirty="0" smtClean="0"/>
-              <a:t>Are bookings for various room types impacted by whether host </a:t>
-            </a:r>
-            <a:r>
-              <a:rPr lang="en-US" dirty="0" smtClean="0"/>
-              <a:t>is male </a:t>
-            </a:r>
-            <a:r>
-              <a:rPr lang="en-US" dirty="0" err="1" smtClean="0"/>
+              <a:rPr lang="en-US" dirty="0"/>
+              <a:t>Are bookings for various room types impacted by whether host is male </a:t>
+            </a:r>
+            <a:r>
+              <a:rPr lang="en-US" dirty="0" err="1"/>
               <a:t>vs</a:t>
             </a:r>
             <a:r>
-              <a:rPr lang="en-US" dirty="0" smtClean="0"/>
-              <a:t> </a:t>
-            </a:r>
-            <a:r>
-              <a:rPr lang="en-US" dirty="0" smtClean="0"/>
-              <a:t>female?</a:t>
-            </a:r>
-            <a:endParaRPr lang="en-US" dirty="0" smtClean="0"/>
+              <a:rPr lang="en-US" dirty="0"/>
+              <a:t> female?</a:t>
+            </a:r>
           </a:p>
           <a:p>
             <a:pPr fontAlgn="base"/>
             <a:r>
-              <a:rPr lang="en-US" dirty="0" smtClean="0"/>
+              <a:rPr lang="en-US" dirty="0"/>
               <a:t>Does host language preference impact client preference for booking?</a:t>
             </a:r>
-            <a:endParaRPr lang="en-US" dirty="0" smtClean="0"/>
           </a:p>
           <a:p>
             <a:pPr fontAlgn="base"/>
             <a:r>
-              <a:rPr lang="en-US" dirty="0" smtClean="0"/>
+              <a:rPr lang="en-US" dirty="0"/>
               <a:t>Does the cancellation policy impact the rate of booking for the listing?</a:t>
             </a:r>
-            <a:endParaRPr lang="en-US" dirty="0" smtClean="0"/>
           </a:p>
           <a:p>
             <a:pPr fontAlgn="base"/>
             <a:r>
-              <a:rPr lang="en-US" dirty="0" smtClean="0"/>
+              <a:rPr lang="en-US" dirty="0"/>
               <a:t>Is there a correlation between cancellation policy and whether there is a cancellation fee? </a:t>
             </a:r>
-            <a:endParaRPr lang="en-US" dirty="0" smtClean="0"/>
           </a:p>
           <a:p>
             <a:endParaRPr lang="en-US" dirty="0"/>
@@ -9105,7 +9155,7 @@
           <a:lstStyle/>
           <a:p>
             <a:r>
-              <a:rPr lang="en-CA" dirty="0" smtClean="0"/>
+              <a:rPr lang="en-CA" dirty="0"/>
               <a:t>conclusion</a:t>
             </a:r>
             <a:endParaRPr lang="en-US" dirty="0"/>
@@ -9128,13 +9178,13 @@
           <a:lstStyle/>
           <a:p>
             <a:r>
-              <a:rPr lang="en-CA" dirty="0" smtClean="0"/>
+              <a:rPr lang="en-CA" dirty="0"/>
               <a:t>Contrary to our initial expectations, there are no clear correlations between the data and the factors that were investigated in this project.</a:t>
             </a:r>
           </a:p>
           <a:p>
             <a:r>
-              <a:rPr lang="en-CA" dirty="0" smtClean="0"/>
+              <a:rPr lang="en-CA" dirty="0"/>
               <a:t>Further analysis required of various factors to gain an understanding of any trends or correlations.</a:t>
             </a:r>
             <a:endParaRPr lang="en-US" dirty="0"/>
@@ -9188,7 +9238,7 @@
           <a:p>
             <a:pPr algn="ctr"/>
             <a:r>
-              <a:rPr lang="en-CA" dirty="0" smtClean="0"/>
+              <a:rPr lang="en-CA" dirty="0"/>
               <a:t>Thank you for listening!</a:t>
             </a:r>
             <a:endParaRPr lang="en-US" dirty="0"/>
@@ -9236,7 +9286,7 @@
           <a:lstStyle/>
           <a:p>
             <a:r>
-              <a:rPr lang="en-CA" dirty="0" smtClean="0"/>
+              <a:rPr lang="en-CA" dirty="0"/>
               <a:t>Questions of Interest</a:t>
             </a:r>
             <a:endParaRPr lang="en-US" dirty="0"/>
@@ -9261,40 +9311,32 @@
           <a:lstStyle/>
           <a:p>
             <a:r>
-              <a:rPr lang="en-CA" dirty="0" smtClean="0"/>
-              <a:t>Do different neighbourhoods or neighbourhood groups differ in price</a:t>
-            </a:r>
-            <a:r>
-              <a:rPr lang="en-CA" dirty="0" smtClean="0"/>
-              <a:t>?</a:t>
-            </a:r>
-          </a:p>
-          <a:p>
-            <a:r>
-              <a:rPr lang="en-CA" dirty="0" smtClean="0"/>
+              <a:rPr lang="en-CA" dirty="0"/>
+              <a:t>Do different neighbourhoods or neighbourhood groups differ in price?</a:t>
+            </a:r>
+          </a:p>
+          <a:p>
+            <a:r>
+              <a:rPr lang="en-CA" dirty="0"/>
               <a:t>Does the verification of the host impact the price of the listing?</a:t>
             </a:r>
           </a:p>
           <a:p>
             <a:r>
-              <a:rPr lang="en-CA" dirty="0" smtClean="0"/>
+              <a:rPr lang="en-CA" dirty="0"/>
               <a:t>Does Construction year of the property impact the price of the listing?</a:t>
             </a:r>
           </a:p>
           <a:p>
             <a:r>
-              <a:rPr lang="en-CA" dirty="0" smtClean="0"/>
+              <a:rPr lang="en-CA" dirty="0"/>
               <a:t>How prevalent are cancellation policies and do they impact the listing?</a:t>
             </a:r>
           </a:p>
           <a:p>
             <a:r>
-              <a:rPr lang="en-CA" sz="2800" dirty="0" smtClean="0"/>
-              <a:t>Do </a:t>
-            </a:r>
-            <a:r>
-              <a:rPr lang="en-CA" sz="2800" dirty="0" smtClean="0"/>
-              <a:t>number of reviews differ based on room type? Does the review rate number impact the price?</a:t>
+              <a:rPr lang="en-CA" sz="2800" dirty="0"/>
+              <a:t>Do number of reviews differ based on room type? Does the review rate number impact the price?</a:t>
             </a:r>
             <a:endParaRPr lang="en-US" dirty="0"/>
           </a:p>
@@ -9341,7 +9383,7 @@
           <a:lstStyle/>
           <a:p>
             <a:r>
-              <a:rPr lang="en-CA" dirty="0" smtClean="0"/>
+              <a:rPr lang="en-CA" dirty="0"/>
               <a:t>Data set</a:t>
             </a:r>
             <a:endParaRPr lang="en-US" dirty="0"/>
@@ -9364,7 +9406,7 @@
           <a:lstStyle/>
           <a:p>
             <a:r>
-              <a:rPr lang="en-US" b="1" u="sng" dirty="0" smtClean="0">
+              <a:rPr lang="en-US" b="1" u="sng" dirty="0">
                 <a:hlinkClick r:id="rId2"/>
               </a:rPr>
               <a:t>https://www.kaggle.com/datasets/arianazmoudeh/airbnbopendata?select=Airbnb_Open_Data.csv</a:t>
@@ -9420,7 +9462,7 @@
           <a:p>
             <a:pPr algn="ctr"/>
             <a:r>
-              <a:rPr lang="en-CA" dirty="0" smtClean="0"/>
+              <a:rPr lang="en-CA" dirty="0"/>
               <a:t>Initial data cleanup</a:t>
             </a:r>
             <a:endParaRPr lang="en-US" dirty="0"/>
@@ -9521,13 +9563,6 @@
   <p:clrMapOvr>
     <a:masterClrMapping/>
   </p:clrMapOvr>
-  <p:timing>
-    <p:tnLst>
-      <p:par>
-        <p:cTn id="1" dur="indefinite" restart="never" nodeType="tmRoot"/>
-      </p:par>
-    </p:tnLst>
-  </p:timing>
 </p:sld>
 </file>
 
@@ -9652,13 +9687,6 @@
   <p:clrMapOvr>
     <a:masterClrMapping/>
   </p:clrMapOvr>
-  <p:timing>
-    <p:tnLst>
-      <p:par>
-        <p:cTn id="1" dur="indefinite" restart="never" nodeType="tmRoot"/>
-      </p:par>
-    </p:tnLst>
-  </p:timing>
 </p:sld>
 </file>
 
